--- a/figures/VGAE_simulation_Feb15.pptx
+++ b/figures/VGAE_simulation_Feb15.pptx
@@ -5,7 +5,7 @@
     <p:sldMasterId id="2147483648" r:id="rId1"/>
   </p:sldMasterIdLst>
   <p:notesMasterIdLst>
-    <p:notesMasterId r:id="rId32"/>
+    <p:notesMasterId r:id="rId34"/>
   </p:notesMasterIdLst>
   <p:sldIdLst>
     <p:sldId id="264" r:id="rId2"/>
@@ -38,6 +38,8 @@
     <p:sldId id="283" r:id="rId29"/>
     <p:sldId id="286" r:id="rId30"/>
     <p:sldId id="287" r:id="rId31"/>
+    <p:sldId id="288" r:id="rId32"/>
+    <p:sldId id="289" r:id="rId33"/>
   </p:sldIdLst>
   <p:sldSz cx="12192000" cy="6858000"/>
   <p:notesSz cx="6858000" cy="9144000"/>
@@ -9210,6 +9212,210 @@
 </p:sld>
 </file>
 
+<file path=ppt/slides/slide31.xml><?xml version="1.0" encoding="utf-8"?>
+<p:sld xmlns:a="http://schemas.openxmlformats.org/drawingml/2006/main" xmlns:r="http://schemas.openxmlformats.org/officeDocument/2006/relationships" xmlns:p="http://schemas.openxmlformats.org/presentationml/2006/main">
+  <p:cSld>
+    <p:spTree>
+      <p:nvGrpSpPr>
+        <p:cNvPr id="1" name=""/>
+        <p:cNvGrpSpPr/>
+        <p:nvPr/>
+      </p:nvGrpSpPr>
+      <p:grpSpPr>
+        <a:xfrm>
+          <a:off x="0" y="0"/>
+          <a:ext cx="0" cy="0"/>
+          <a:chOff x="0" y="0"/>
+          <a:chExt cx="0" cy="0"/>
+        </a:xfrm>
+      </p:grpSpPr>
+      <p:pic>
+        <p:nvPicPr>
+          <p:cNvPr id="5" name="Picture 4">
+            <a:extLst>
+              <a:ext uri="{FF2B5EF4-FFF2-40B4-BE49-F238E27FC236}">
+                <a16:creationId xmlns:a16="http://schemas.microsoft.com/office/drawing/2014/main" id="{6DDE59F0-903C-4457-8192-C9E9E0780960}"/>
+              </a:ext>
+            </a:extLst>
+          </p:cNvPr>
+          <p:cNvPicPr>
+            <a:picLocks noChangeAspect="1"/>
+          </p:cNvPicPr>
+          <p:nvPr/>
+        </p:nvPicPr>
+        <p:blipFill>
+          <a:blip r:embed="rId2">
+            <a:extLst>
+              <a:ext uri="{28A0092B-C50C-407E-A947-70E740481C1C}">
+                <a14:useLocalDpi xmlns:a14="http://schemas.microsoft.com/office/drawing/2010/main" val="0"/>
+              </a:ext>
+            </a:extLst>
+          </a:blip>
+          <a:stretch>
+            <a:fillRect/>
+          </a:stretch>
+        </p:blipFill>
+        <p:spPr>
+          <a:xfrm>
+            <a:off x="5989117" y="371302"/>
+            <a:ext cx="5852117" cy="5640776"/>
+          </a:xfrm>
+          <a:prstGeom prst="rect">
+            <a:avLst/>
+          </a:prstGeom>
+        </p:spPr>
+      </p:pic>
+      <p:pic>
+        <p:nvPicPr>
+          <p:cNvPr id="6" name="Picture 5">
+            <a:extLst>
+              <a:ext uri="{FF2B5EF4-FFF2-40B4-BE49-F238E27FC236}">
+                <a16:creationId xmlns:a16="http://schemas.microsoft.com/office/drawing/2014/main" id="{7DE14117-B633-4DB8-A2B0-94382CB59B3F}"/>
+              </a:ext>
+            </a:extLst>
+          </p:cNvPr>
+          <p:cNvPicPr>
+            <a:picLocks noChangeAspect="1"/>
+          </p:cNvPicPr>
+          <p:nvPr/>
+        </p:nvPicPr>
+        <p:blipFill>
+          <a:blip r:embed="rId3">
+            <a:extLst>
+              <a:ext uri="{28A0092B-C50C-407E-A947-70E740481C1C}">
+                <a14:useLocalDpi xmlns:a14="http://schemas.microsoft.com/office/drawing/2010/main" val="0"/>
+              </a:ext>
+            </a:extLst>
+          </a:blip>
+          <a:stretch>
+            <a:fillRect/>
+          </a:stretch>
+        </p:blipFill>
+        <p:spPr>
+          <a:xfrm>
+            <a:off x="94210" y="371303"/>
+            <a:ext cx="5892372" cy="5640776"/>
+          </a:xfrm>
+          <a:prstGeom prst="rect">
+            <a:avLst/>
+          </a:prstGeom>
+        </p:spPr>
+      </p:pic>
+    </p:spTree>
+    <p:extLst>
+      <p:ext uri="{BB962C8B-B14F-4D97-AF65-F5344CB8AC3E}">
+        <p14:creationId xmlns:p14="http://schemas.microsoft.com/office/powerpoint/2010/main" val="2322496014"/>
+      </p:ext>
+    </p:extLst>
+  </p:cSld>
+  <p:clrMapOvr>
+    <a:masterClrMapping/>
+  </p:clrMapOvr>
+</p:sld>
+</file>
+
+<file path=ppt/slides/slide32.xml><?xml version="1.0" encoding="utf-8"?>
+<p:sld xmlns:a="http://schemas.openxmlformats.org/drawingml/2006/main" xmlns:r="http://schemas.openxmlformats.org/officeDocument/2006/relationships" xmlns:p="http://schemas.openxmlformats.org/presentationml/2006/main">
+  <p:cSld>
+    <p:spTree>
+      <p:nvGrpSpPr>
+        <p:cNvPr id="1" name=""/>
+        <p:cNvGrpSpPr/>
+        <p:nvPr/>
+      </p:nvGrpSpPr>
+      <p:grpSpPr>
+        <a:xfrm>
+          <a:off x="0" y="0"/>
+          <a:ext cx="0" cy="0"/>
+          <a:chOff x="0" y="0"/>
+          <a:chExt cx="0" cy="0"/>
+        </a:xfrm>
+      </p:grpSpPr>
+      <p:pic>
+        <p:nvPicPr>
+          <p:cNvPr id="3" name="Picture 2">
+            <a:extLst>
+              <a:ext uri="{FF2B5EF4-FFF2-40B4-BE49-F238E27FC236}">
+                <a16:creationId xmlns:a16="http://schemas.microsoft.com/office/drawing/2014/main" id="{4DB93FF3-FD78-4F17-A66E-6A594D21A3FA}"/>
+              </a:ext>
+            </a:extLst>
+          </p:cNvPr>
+          <p:cNvPicPr>
+            <a:picLocks noChangeAspect="1"/>
+          </p:cNvPicPr>
+          <p:nvPr/>
+        </p:nvPicPr>
+        <p:blipFill>
+          <a:blip r:embed="rId2">
+            <a:extLst>
+              <a:ext uri="{28A0092B-C50C-407E-A947-70E740481C1C}">
+                <a14:useLocalDpi xmlns:a14="http://schemas.microsoft.com/office/drawing/2010/main" val="0"/>
+              </a:ext>
+            </a:extLst>
+          </a:blip>
+          <a:stretch>
+            <a:fillRect/>
+          </a:stretch>
+        </p:blipFill>
+        <p:spPr>
+          <a:xfrm>
+            <a:off x="48792" y="328382"/>
+            <a:ext cx="5835494" cy="5648837"/>
+          </a:xfrm>
+          <a:prstGeom prst="rect">
+            <a:avLst/>
+          </a:prstGeom>
+        </p:spPr>
+      </p:pic>
+      <p:pic>
+        <p:nvPicPr>
+          <p:cNvPr id="7" name="Picture 6">
+            <a:extLst>
+              <a:ext uri="{FF2B5EF4-FFF2-40B4-BE49-F238E27FC236}">
+                <a16:creationId xmlns:a16="http://schemas.microsoft.com/office/drawing/2014/main" id="{5D0086C2-C6E6-4F22-BCF8-F9148A9E80CB}"/>
+              </a:ext>
+            </a:extLst>
+          </p:cNvPr>
+          <p:cNvPicPr>
+            <a:picLocks noChangeAspect="1"/>
+          </p:cNvPicPr>
+          <p:nvPr/>
+        </p:nvPicPr>
+        <p:blipFill>
+          <a:blip r:embed="rId3">
+            <a:extLst>
+              <a:ext uri="{28A0092B-C50C-407E-A947-70E740481C1C}">
+                <a14:useLocalDpi xmlns:a14="http://schemas.microsoft.com/office/drawing/2010/main" val="0"/>
+              </a:ext>
+            </a:extLst>
+          </a:blip>
+          <a:stretch>
+            <a:fillRect/>
+          </a:stretch>
+        </p:blipFill>
+        <p:spPr>
+          <a:xfrm>
+            <a:off x="6029499" y="328383"/>
+            <a:ext cx="5923912" cy="5648838"/>
+          </a:xfrm>
+          <a:prstGeom prst="rect">
+            <a:avLst/>
+          </a:prstGeom>
+        </p:spPr>
+      </p:pic>
+    </p:spTree>
+    <p:extLst>
+      <p:ext uri="{BB962C8B-B14F-4D97-AF65-F5344CB8AC3E}">
+        <p14:creationId xmlns:p14="http://schemas.microsoft.com/office/powerpoint/2010/main" val="1395798979"/>
+      </p:ext>
+    </p:extLst>
+  </p:cSld>
+  <p:clrMapOvr>
+    <a:masterClrMapping/>
+  </p:clrMapOvr>
+</p:sld>
+</file>
+
 <file path=ppt/slides/slide4.xml><?xml version="1.0" encoding="utf-8"?>
 <p:sld xmlns:a="http://schemas.openxmlformats.org/drawingml/2006/main" xmlns:r="http://schemas.openxmlformats.org/officeDocument/2006/relationships" xmlns:p="http://schemas.openxmlformats.org/presentationml/2006/main">
   <p:cSld>
